--- a/Toy Sales.pptx
+++ b/Toy Sales.pptx
@@ -112,6 +112,11 @@
       </a:defRPr>
     </a:lvl9pPr>
   </p:defaultTextStyle>
+  <p:extLst>
+    <p:ext uri="{EFAFB233-063F-42B5-8137-9DF3F51BA10A}">
+      <p15:sldGuideLst xmlns:p15="http://schemas.microsoft.com/office/powerpoint/2012/main"/>
+    </p:ext>
+  </p:extLst>
 </p:presentation>
 </file>
 
@@ -511,7 +516,193 @@
           <a:p>
             <a:r>
               <a:rPr lang="en-AU" dirty="0"/>
+              <a:t>Digital spend has higher correlation because increasing spend in 2017 when sales boosted.</a:t>
+            </a:r>
+          </a:p>
+        </p:txBody>
+      </p:sp>
+      <p:sp>
+        <p:nvSpPr>
+          <p:cNvPr id="4" name="Slide Number Placeholder 3"/>
+          <p:cNvSpPr>
+            <a:spLocks noGrp="1"/>
+          </p:cNvSpPr>
+          <p:nvPr>
+            <p:ph type="sldNum" sz="quarter" idx="10"/>
+          </p:nvPr>
+        </p:nvSpPr>
+        <p:spPr/>
+        <p:txBody>
+          <a:bodyPr/>
+          <a:lstStyle/>
+          <a:p>
+            <a:fld id="{277AE0D2-B646-4018-9D88-F9F4538AE3C6}" type="slidenum">
+              <a:rPr lang="en-AU" smtClean="0"/>
+              <a:t>2</a:t>
+            </a:fld>
+            <a:endParaRPr lang="en-AU"/>
+          </a:p>
+        </p:txBody>
+      </p:sp>
+    </p:spTree>
+    <p:extLst>
+      <p:ext uri="{BB962C8B-B14F-4D97-AF65-F5344CB8AC3E}">
+        <p14:creationId xmlns:p14="http://schemas.microsoft.com/office/powerpoint/2010/main" val="3676438986"/>
+      </p:ext>
+    </p:extLst>
+  </p:cSld>
+  <p:clrMapOvr>
+    <a:masterClrMapping/>
+  </p:clrMapOvr>
+</p:notes>
+</file>
+
+<file path=ppt/notesSlides/notesSlide2.xml><?xml version="1.0" encoding="utf-8"?>
+<p:notes xmlns:a="http://schemas.openxmlformats.org/drawingml/2006/main" xmlns:r="http://schemas.openxmlformats.org/officeDocument/2006/relationships" xmlns:p="http://schemas.openxmlformats.org/presentationml/2006/main">
+  <p:cSld>
+    <p:spTree>
+      <p:nvGrpSpPr>
+        <p:cNvPr id="1" name=""/>
+        <p:cNvGrpSpPr/>
+        <p:nvPr/>
+      </p:nvGrpSpPr>
+      <p:grpSpPr>
+        <a:xfrm>
+          <a:off x="0" y="0"/>
+          <a:ext cx="0" cy="0"/>
+          <a:chOff x="0" y="0"/>
+          <a:chExt cx="0" cy="0"/>
+        </a:xfrm>
+      </p:grpSpPr>
+      <p:sp>
+        <p:nvSpPr>
+          <p:cNvPr id="2" name="Slide Image Placeholder 1"/>
+          <p:cNvSpPr>
+            <a:spLocks noGrp="1" noRot="1" noChangeAspect="1"/>
+          </p:cNvSpPr>
+          <p:nvPr>
+            <p:ph type="sldImg"/>
+          </p:nvPr>
+        </p:nvSpPr>
+        <p:spPr/>
+      </p:sp>
+      <p:sp>
+        <p:nvSpPr>
+          <p:cNvPr id="3" name="Notes Placeholder 2"/>
+          <p:cNvSpPr>
+            <a:spLocks noGrp="1"/>
+          </p:cNvSpPr>
+          <p:nvPr>
+            <p:ph type="body" idx="1"/>
+          </p:nvPr>
+        </p:nvSpPr>
+        <p:spPr/>
+        <p:txBody>
+          <a:bodyPr/>
+          <a:lstStyle/>
+          <a:p>
+            <a:r>
+              <a:rPr lang="en-AU" dirty="0"/>
+              <a:t>Trend will be less significant once carry over effect and other data are used in the model.</a:t>
+            </a:r>
+          </a:p>
+        </p:txBody>
+      </p:sp>
+      <p:sp>
+        <p:nvSpPr>
+          <p:cNvPr id="4" name="Slide Number Placeholder 3"/>
+          <p:cNvSpPr>
+            <a:spLocks noGrp="1"/>
+          </p:cNvSpPr>
+          <p:nvPr>
+            <p:ph type="sldNum" sz="quarter" idx="10"/>
+          </p:nvPr>
+        </p:nvSpPr>
+        <p:spPr/>
+        <p:txBody>
+          <a:bodyPr/>
+          <a:lstStyle/>
+          <a:p>
+            <a:fld id="{277AE0D2-B646-4018-9D88-F9F4538AE3C6}" type="slidenum">
+              <a:rPr lang="en-AU" smtClean="0"/>
+              <a:t>3</a:t>
+            </a:fld>
+            <a:endParaRPr lang="en-AU"/>
+          </a:p>
+        </p:txBody>
+      </p:sp>
+    </p:spTree>
+    <p:extLst>
+      <p:ext uri="{BB962C8B-B14F-4D97-AF65-F5344CB8AC3E}">
+        <p14:creationId xmlns:p14="http://schemas.microsoft.com/office/powerpoint/2010/main" val="1044397173"/>
+      </p:ext>
+    </p:extLst>
+  </p:cSld>
+  <p:clrMapOvr>
+    <a:masterClrMapping/>
+  </p:clrMapOvr>
+</p:notes>
+</file>
+
+<file path=ppt/notesSlides/notesSlide3.xml><?xml version="1.0" encoding="utf-8"?>
+<p:notes xmlns:a="http://schemas.openxmlformats.org/drawingml/2006/main" xmlns:r="http://schemas.openxmlformats.org/officeDocument/2006/relationships" xmlns:p="http://schemas.openxmlformats.org/presentationml/2006/main">
+  <p:cSld>
+    <p:spTree>
+      <p:nvGrpSpPr>
+        <p:cNvPr id="1" name=""/>
+        <p:cNvGrpSpPr/>
+        <p:nvPr/>
+      </p:nvGrpSpPr>
+      <p:grpSpPr>
+        <a:xfrm>
+          <a:off x="0" y="0"/>
+          <a:ext cx="0" cy="0"/>
+          <a:chOff x="0" y="0"/>
+          <a:chExt cx="0" cy="0"/>
+        </a:xfrm>
+      </p:grpSpPr>
+      <p:sp>
+        <p:nvSpPr>
+          <p:cNvPr id="2" name="Slide Image Placeholder 1"/>
+          <p:cNvSpPr>
+            <a:spLocks noGrp="1" noRot="1" noChangeAspect="1"/>
+          </p:cNvSpPr>
+          <p:nvPr>
+            <p:ph type="sldImg"/>
+          </p:nvPr>
+        </p:nvSpPr>
+        <p:spPr/>
+      </p:sp>
+      <p:sp>
+        <p:nvSpPr>
+          <p:cNvPr id="3" name="Notes Placeholder 2"/>
+          <p:cNvSpPr>
+            <a:spLocks noGrp="1"/>
+          </p:cNvSpPr>
+          <p:nvPr>
+            <p:ph type="body" idx="1"/>
+          </p:nvPr>
+        </p:nvSpPr>
+        <p:spPr/>
+        <p:txBody>
+          <a:bodyPr/>
+          <a:lstStyle/>
+          <a:p>
+            <a:r>
+              <a:rPr lang="en-AU" dirty="0"/>
               <a:t>Because there was no other variables, TV has been rated too high saying contributed 47% of sales. I won’t explore more with transformation because data is not enough.</a:t>
+            </a:r>
+          </a:p>
+          <a:p>
+            <a:r>
+              <a:rPr lang="en-AU" dirty="0"/>
+              <a:t>Average price and promotion may have multicollinearity.</a:t>
+            </a:r>
+          </a:p>
+          <a:p>
+            <a:r>
+              <a:rPr lang="en-AU" dirty="0"/>
+              <a:t>What does this trend represent? Once more variables are tested maybe trend can be replaced (explained).</a:t>
             </a:r>
           </a:p>
         </p:txBody>
@@ -4414,7 +4605,7 @@
           </p:nvPr>
         </p:nvPicPr>
         <p:blipFill>
-          <a:blip r:embed="rId2"/>
+          <a:blip r:embed="rId3"/>
           <a:stretch>
             <a:fillRect/>
           </a:stretch>
@@ -4680,38 +4871,6 @@
           </a:p>
         </p:txBody>
       </p:sp>
-      <p:pic>
-        <p:nvPicPr>
-          <p:cNvPr id="4" name="Content Placeholder 3">
-            <a:extLst>
-              <a:ext uri="{FF2B5EF4-FFF2-40B4-BE49-F238E27FC236}">
-                <a16:creationId xmlns:a16="http://schemas.microsoft.com/office/drawing/2014/main" id="{1E2FA108-310C-4823-ADA1-31EC69E03A03}"/>
-              </a:ext>
-            </a:extLst>
-          </p:cNvPr>
-          <p:cNvPicPr>
-            <a:picLocks noGrp="1" noChangeAspect="1"/>
-          </p:cNvPicPr>
-          <p:nvPr>
-            <p:ph idx="1"/>
-          </p:nvPr>
-        </p:nvPicPr>
-        <p:blipFill>
-          <a:blip r:embed="rId2"/>
-          <a:stretch>
-            <a:fillRect/>
-          </a:stretch>
-        </p:blipFill>
-        <p:spPr>
-          <a:xfrm>
-            <a:off x="5465557" y="1737360"/>
-            <a:ext cx="6483444" cy="4494998"/>
-          </a:xfrm>
-          <a:prstGeom prst="rect">
-            <a:avLst/>
-          </a:prstGeom>
-        </p:spPr>
-      </p:pic>
       <p:sp>
         <p:nvSpPr>
           <p:cNvPr id="5" name="TextBox 4">
@@ -4828,7 +4987,7 @@
             </a:pPr>
             <a:r>
               <a:rPr lang="en-AU" dirty="0"/>
-              <a:t>Xmas is not significantly affect sales</a:t>
+              <a:t>Xmas is not significantly affecting sales</a:t>
             </a:r>
           </a:p>
           <a:p>
@@ -5669,6 +5828,38 @@
           </a:graphicData>
         </a:graphic>
       </p:graphicFrame>
+      <p:pic>
+        <p:nvPicPr>
+          <p:cNvPr id="8" name="Content Placeholder 7">
+            <a:extLst>
+              <a:ext uri="{FF2B5EF4-FFF2-40B4-BE49-F238E27FC236}">
+                <a16:creationId xmlns:a16="http://schemas.microsoft.com/office/drawing/2014/main" id="{C987B9A6-5AA4-4F3D-9B81-3DC1A16549B5}"/>
+              </a:ext>
+            </a:extLst>
+          </p:cNvPr>
+          <p:cNvPicPr>
+            <a:picLocks noGrp="1" noChangeAspect="1"/>
+          </p:cNvPicPr>
+          <p:nvPr>
+            <p:ph idx="1"/>
+          </p:nvPr>
+        </p:nvPicPr>
+        <p:blipFill>
+          <a:blip r:embed="rId3"/>
+          <a:stretch>
+            <a:fillRect/>
+          </a:stretch>
+        </p:blipFill>
+        <p:spPr>
+          <a:xfrm>
+            <a:off x="5417289" y="1790580"/>
+            <a:ext cx="5385390" cy="4406975"/>
+          </a:xfrm>
+          <a:prstGeom prst="rect">
+            <a:avLst/>
+          </a:prstGeom>
+        </p:spPr>
+      </p:pic>
     </p:spTree>
     <p:extLst>
       <p:ext uri="{BB962C8B-B14F-4D97-AF65-F5344CB8AC3E}">
@@ -5762,13 +5953,13 @@
           <a:p>
             <a:r>
               <a:rPr lang="en-AU" dirty="0"/>
-              <a:t>Total sales driven by TV were $51,622,803</a:t>
+              <a:t>Total sales driven by TV were $51,622,803.</a:t>
             </a:r>
           </a:p>
           <a:p>
             <a:r>
               <a:rPr lang="en-AU" dirty="0"/>
-              <a:t>Return on investment for TV was 2.03</a:t>
+              <a:t>Return on investment for TV was 2.03.</a:t>
             </a:r>
           </a:p>
         </p:txBody>
@@ -6321,13 +6512,13 @@
         <p:spPr/>
         <p:txBody>
           <a:bodyPr>
-            <a:normAutofit fontScale="92500" lnSpcReduction="10000"/>
+            <a:normAutofit fontScale="85000" lnSpcReduction="10000"/>
           </a:bodyPr>
           <a:lstStyle/>
           <a:p>
             <a:r>
               <a:rPr lang="en-AU" dirty="0"/>
-              <a:t>Above model showed 34.3% sales in last two years were contributed by media. It is a very large proportion indicates more variables shall be considered. Such as</a:t>
+              <a:t>Above model shows 34.3% sales in last two years were contributed by media. It is a very large proportion for toy industry which indicates more variables shall be considered. Such as</a:t>
             </a:r>
           </a:p>
           <a:p>
@@ -6341,6 +6532,20 @@
             <a:pPr lvl="1"/>
             <a:r>
               <a:rPr lang="en-AU" dirty="0"/>
+              <a:t>Average price.</a:t>
+            </a:r>
+          </a:p>
+          <a:p>
+            <a:pPr lvl="1"/>
+            <a:r>
+              <a:rPr lang="en-AU" dirty="0"/>
+              <a:t>Number of stores.</a:t>
+            </a:r>
+          </a:p>
+          <a:p>
+            <a:pPr lvl="1"/>
+            <a:r>
+              <a:rPr lang="en-AU" dirty="0"/>
               <a:t>Birth rate by month. People tend to shop for toys as a gift for a newborn.</a:t>
             </a:r>
           </a:p>
@@ -6348,7 +6553,7 @@
             <a:pPr lvl="1"/>
             <a:r>
               <a:rPr lang="en-AU" dirty="0"/>
-              <a:t>School holidays. Kids have more exposure to toy shops.</a:t>
+              <a:t>School holidays. Kids have more exposure to toy shops during this time.</a:t>
             </a:r>
           </a:p>
           <a:p>
